--- a/03 性能测试工具选型.pptx
+++ b/03 性能测试工具选型.pptx
@@ -203,7 +203,7 @@
           <a:p>
             <a:fld id="{12917036-4097-4A67-B82A-FD5C6195453D}" type="datetimeFigureOut">
               <a:rPr lang="zh-CN" altLang="en-US" smtClean="0"/>
-              <a:t>2018/3/18</a:t>
+              <a:t>2018/3/19</a:t>
             </a:fld>
             <a:endParaRPr lang="zh-CN" altLang="en-US"/>
           </a:p>
@@ -602,31 +602,6 @@
           <a:bodyPr/>
           <a:lstStyle/>
           <a:p>
-            <a:r>
-              <a:rPr lang="zh-CN" altLang="en-US" dirty="0" smtClean="0"/>
-              <a:t>代理，客户端和服务器端的中间人，截获交互数据流，对其进行协议上的处理，利用函数处理成能够看得懂的脚本语句</a:t>
-            </a:r>
-            <a:endParaRPr lang="en-US" altLang="zh-CN" dirty="0" smtClean="0"/>
-          </a:p>
-          <a:p>
-            <a:r>
-              <a:rPr lang="zh-CN" altLang="en-US" dirty="0" smtClean="0"/>
-              <a:t>压力生成器，根据脚本内容产生实际的负载，</a:t>
-            </a:r>
-            <a:endParaRPr lang="en-US" altLang="zh-CN" dirty="0" smtClean="0"/>
-          </a:p>
-          <a:p>
-            <a:r>
-              <a:rPr lang="zh-CN" altLang="en-US" dirty="0" smtClean="0"/>
-              <a:t>压力调度：虚拟用户数量，集合点</a:t>
-            </a:r>
-            <a:endParaRPr lang="en-US" altLang="zh-CN" dirty="0" smtClean="0"/>
-          </a:p>
-          <a:p>
-            <a:r>
-              <a:rPr lang="zh-CN" altLang="en-US" dirty="0" smtClean="0"/>
-              <a:t>监控：服务器，中间件进行分析</a:t>
-            </a:r>
             <a:endParaRPr lang="zh-CN" altLang="en-US" dirty="0"/>
           </a:p>
         </p:txBody>
@@ -739,91 +714,7 @@
           <a:bodyPr/>
           <a:lstStyle/>
           <a:p>
-            <a:r>
-              <a:rPr lang="zh-CN" altLang="en-US" dirty="0" smtClean="0"/>
-              <a:t>分别是</a:t>
-            </a:r>
-            <a:r>
-              <a:rPr lang="en-US" altLang="zh-CN" dirty="0" smtClean="0"/>
-              <a:t>Virtual User Generator</a:t>
-            </a:r>
-            <a:r>
-              <a:rPr lang="zh-CN" altLang="en-US" dirty="0" smtClean="0"/>
-              <a:t>、</a:t>
-            </a:r>
-            <a:r>
-              <a:rPr lang="en-US" altLang="zh-CN" dirty="0" smtClean="0"/>
-              <a:t>Controller</a:t>
-            </a:r>
-            <a:r>
-              <a:rPr lang="zh-CN" altLang="en-US" dirty="0" smtClean="0"/>
-              <a:t>、</a:t>
-            </a:r>
-            <a:r>
-              <a:rPr lang="en-US" altLang="zh-CN" dirty="0" smtClean="0"/>
-              <a:t>Analysis</a:t>
-            </a:r>
-            <a:r>
-              <a:rPr lang="zh-CN" altLang="en-US" dirty="0" smtClean="0"/>
-              <a:t>，这三大部分帮助我们解决了性能测试中最关键的用户行为模拟、负载生成及监控、数据收集分析整理</a:t>
-            </a:r>
-            <a:endParaRPr lang="en-US" altLang="zh-CN" dirty="0" smtClean="0"/>
-          </a:p>
-          <a:p>
-            <a:r>
-              <a:rPr lang="zh-CN" altLang="en-US" dirty="0" smtClean="0"/>
-              <a:t>性能测试工具录制的都是协议，而不是操作。因为操作录制下载无法有效的性能多用户模拟，而协议就可以。</a:t>
-            </a:r>
-            <a:endParaRPr lang="en-US" altLang="zh-CN" dirty="0" smtClean="0"/>
-          </a:p>
-          <a:p>
-            <a:r>
-              <a:rPr lang="en-US" altLang="zh-CN" dirty="0" err="1" smtClean="0"/>
-              <a:t>LoadRunner</a:t>
-            </a:r>
-            <a:r>
-              <a:rPr lang="zh-CN" altLang="en-US" dirty="0" smtClean="0"/>
-              <a:t>是一个基于协议的性能测试工具，它可以录制你的</a:t>
-            </a:r>
-            <a:r>
-              <a:rPr lang="en-US" altLang="zh-CN" dirty="0" smtClean="0"/>
-              <a:t>Client</a:t>
-            </a:r>
-            <a:r>
-              <a:rPr lang="zh-CN" altLang="en-US" dirty="0" smtClean="0"/>
-              <a:t>和</a:t>
-            </a:r>
-            <a:r>
-              <a:rPr lang="en-US" altLang="zh-CN" dirty="0" smtClean="0"/>
-              <a:t>Server</a:t>
-            </a:r>
-            <a:r>
-              <a:rPr lang="zh-CN" altLang="en-US" dirty="0" smtClean="0"/>
-              <a:t>相互交流的协议内容，然后通过回放欺骗服务器，从而完成用户行为模拟。</a:t>
-            </a:r>
-            <a:endParaRPr lang="en-US" altLang="zh-CN" dirty="0" smtClean="0"/>
-          </a:p>
-          <a:p>
-            <a:r>
-              <a:rPr lang="en-US" altLang="zh-CN" dirty="0" smtClean="0"/>
-              <a:t>Controller</a:t>
-            </a:r>
-            <a:r>
-              <a:rPr lang="zh-CN" altLang="en-US" dirty="0" smtClean="0"/>
-              <a:t>就是将单用户克隆成多用户的工具。三世，天族与鬼族打仗。</a:t>
-            </a:r>
-            <a:endParaRPr lang="en-US" altLang="zh-CN" dirty="0" smtClean="0"/>
-          </a:p>
-          <a:p>
-            <a:r>
-              <a:rPr lang="en-US" altLang="zh-CN" dirty="0" smtClean="0"/>
-              <a:t>Analysis</a:t>
-            </a:r>
-            <a:r>
-              <a:rPr lang="zh-CN" altLang="en-US" dirty="0" smtClean="0"/>
-              <a:t>它当做一个数据收集器，或者是一个巨大的数据表格，放在里面就是各种数据各种表，好像没啥好用的，但是你要从这些数据中找出问题，并且通过它做出美观实用的报告就是有些难度的了</a:t>
-            </a:r>
-            <a:endParaRPr lang="en-US" altLang="zh-CN" dirty="0" smtClean="0"/>
+            <a:endParaRPr lang="en-US" altLang="zh-CN" dirty="0"/>
           </a:p>
         </p:txBody>
       </p:sp>
@@ -881,55 +772,6 @@
           </a:bodyPr>
           <a:lstStyle/>
           <a:p>
-            <a:r>
-              <a:rPr lang="zh-CN" altLang="en-US" dirty="0" smtClean="0"/>
-              <a:t>为什么不是都跑在</a:t>
-            </a:r>
-            <a:r>
-              <a:rPr lang="en-US" altLang="zh-CN" dirty="0" smtClean="0"/>
-              <a:t>Controller</a:t>
-            </a:r>
-          </a:p>
-          <a:p>
-            <a:r>
-              <a:rPr lang="zh-CN" altLang="en-US" dirty="0" smtClean="0"/>
-              <a:t>考虑带宽，局域网 </a:t>
-            </a:r>
-            <a:r>
-              <a:rPr lang="en-US" altLang="zh-CN" dirty="0" smtClean="0"/>
-              <a:t>100</a:t>
-            </a:r>
-            <a:r>
-              <a:rPr lang="zh-CN" altLang="en-US" dirty="0" smtClean="0"/>
-              <a:t>Ｍ，普通用户的带宽</a:t>
-            </a:r>
-            <a:r>
-              <a:rPr lang="en-US" altLang="zh-CN" dirty="0" smtClean="0"/>
-              <a:t>2M</a:t>
-            </a:r>
-            <a:r>
-              <a:rPr lang="zh-CN" altLang="en-US" dirty="0" smtClean="0"/>
-              <a:t>。一根网线最多承载</a:t>
-            </a:r>
-            <a:r>
-              <a:rPr lang="en-US" altLang="zh-CN" dirty="0" smtClean="0"/>
-              <a:t>50</a:t>
-            </a:r>
-            <a:r>
-              <a:rPr lang="zh-CN" altLang="en-US" dirty="0" smtClean="0"/>
-              <a:t>个用户。</a:t>
-            </a:r>
-            <a:endParaRPr lang="en-US" altLang="zh-CN" dirty="0" smtClean="0"/>
-          </a:p>
-          <a:p>
-            <a:r>
-              <a:rPr lang="zh-CN" altLang="en-US" dirty="0" smtClean="0"/>
-              <a:t>施压，监控，返回结果给</a:t>
-            </a:r>
-            <a:r>
-              <a:rPr lang="en-US" altLang="zh-CN" dirty="0" smtClean="0"/>
-              <a:t>analysis.</a:t>
-            </a:r>
             <a:endParaRPr lang="zh-CN" altLang="en-US" dirty="0"/>
           </a:p>
         </p:txBody>
@@ -1005,7 +847,7 @@
           <a:p>
             <a:fld id="{530820CF-B880-4189-942D-D702A7CBA730}" type="datetimeFigureOut">
               <a:rPr lang="zh-CN" altLang="en-US" smtClean="0"/>
-              <a:t>2018/3/18</a:t>
+              <a:t>2018/3/19</a:t>
             </a:fld>
             <a:endParaRPr lang="zh-CN" altLang="en-US"/>
           </a:p>
@@ -1398,7 +1240,7 @@
           <a:p>
             <a:fld id="{530820CF-B880-4189-942D-D702A7CBA730}" type="datetimeFigureOut">
               <a:rPr lang="zh-CN" altLang="en-US" smtClean="0"/>
-              <a:t>2018/3/18</a:t>
+              <a:t>2018/3/19</a:t>
             </a:fld>
             <a:endParaRPr lang="zh-CN" altLang="en-US"/>
           </a:p>
@@ -1692,7 +1534,7 @@
           <a:p>
             <a:fld id="{530820CF-B880-4189-942D-D702A7CBA730}" type="datetimeFigureOut">
               <a:rPr lang="zh-CN" altLang="en-US" smtClean="0"/>
-              <a:t>2018/3/18</a:t>
+              <a:t>2018/3/19</a:t>
             </a:fld>
             <a:endParaRPr lang="zh-CN" altLang="en-US"/>
           </a:p>
@@ -8198,16 +8040,7 @@
                 </a:solidFill>
                 <a:latin typeface="+mn-ea"/>
               </a:rPr>
-              <a:t>性能</a:t>
-            </a:r>
-            <a:r>
-              <a:rPr lang="zh-CN" altLang="en-US" dirty="0" smtClean="0">
-                <a:solidFill>
-                  <a:srgbClr val="FF0000"/>
-                </a:solidFill>
-                <a:latin typeface="+mn-ea"/>
-              </a:rPr>
-              <a:t>测试工具</a:t>
+              <a:t>性能测试工具</a:t>
             </a:r>
             <a:endParaRPr lang="en-US" altLang="zh-CN" dirty="0" smtClean="0">
               <a:solidFill>
@@ -9623,15 +9456,7 @@
                   <a:schemeClr val="tx1"/>
                 </a:solidFill>
               </a:rPr>
-              <a:t>  User </a:t>
-            </a:r>
-            <a:r>
-              <a:rPr lang="en-US" altLang="zh-CN" dirty="0" smtClean="0">
-                <a:solidFill>
-                  <a:schemeClr val="tx1"/>
-                </a:solidFill>
-              </a:rPr>
-              <a:t>Generator</a:t>
+              <a:t>  User Generator</a:t>
             </a:r>
             <a:r>
               <a:rPr lang="zh-CN" altLang="en-US" dirty="0" smtClean="0">
@@ -9639,15 +9464,7 @@
                   <a:schemeClr val="tx1"/>
                 </a:solidFill>
               </a:rPr>
-              <a:t>实际是一个集成开发</a:t>
-            </a:r>
-            <a:r>
-              <a:rPr lang="zh-CN" altLang="en-US" dirty="0" smtClean="0">
-                <a:solidFill>
-                  <a:schemeClr val="tx1"/>
-                </a:solidFill>
-              </a:rPr>
-              <a:t>环境</a:t>
+              <a:t>实际是一个集成开发环境</a:t>
             </a:r>
             <a:r>
               <a:rPr lang="zh-CN" altLang="en-US" dirty="0" smtClean="0"/>
@@ -9682,23 +9499,7 @@
                   <a:schemeClr val="tx1"/>
                 </a:solidFill>
               </a:rPr>
-              <a:t>是框架程序和监控程序，</a:t>
-            </a:r>
-            <a:r>
-              <a:rPr lang="zh-CN" altLang="en-US" dirty="0" smtClean="0">
-                <a:solidFill>
-                  <a:schemeClr val="tx1"/>
-                </a:solidFill>
-              </a:rPr>
-              <a:t>用于组织、驱动、管理并监控负载测试。</a:t>
-            </a:r>
-            <a:r>
-              <a:rPr lang="zh-CN" altLang="en-US" dirty="0" smtClean="0">
-                <a:solidFill>
-                  <a:schemeClr val="tx1"/>
-                </a:solidFill>
-              </a:rPr>
-              <a:t>负责将</a:t>
+              <a:t>是框架程序和监控程序，用于组织、驱动、管理并监控负载测试。负责将</a:t>
             </a:r>
             <a:r>
               <a:rPr lang="en-US" dirty="0" smtClean="0">
@@ -9777,15 +9578,7 @@
                   <a:schemeClr val="tx1"/>
                 </a:solidFill>
               </a:rPr>
-              <a:t>是一个数据分析工具，</a:t>
-            </a:r>
-            <a:r>
-              <a:rPr lang="zh-CN" altLang="en-US" dirty="0" smtClean="0">
-                <a:solidFill>
-                  <a:schemeClr val="tx1"/>
-                </a:solidFill>
-              </a:rPr>
-              <a:t>用于查看、剖析和比较性能结果。</a:t>
+              <a:t>是一个数据分析工具，用于查看、剖析和比较性能结果。</a:t>
             </a:r>
             <a:endParaRPr lang="en-US" altLang="zh-CN" dirty="0" smtClean="0">
               <a:solidFill>
